--- a/day1/fig/fig.pptx
+++ b/day1/fig/fig.pptx
@@ -5,11 +5,12 @@
     <p:sldMasterId id="2147483660" r:id="rId1"/>
   </p:sldMasterIdLst>
   <p:notesMasterIdLst>
-    <p:notesMasterId r:id="rId4"/>
+    <p:notesMasterId r:id="rId5"/>
   </p:notesMasterIdLst>
   <p:sldIdLst>
     <p:sldId id="256" r:id="rId2"/>
     <p:sldId id="257" r:id="rId3"/>
+    <p:sldId id="258" r:id="rId4"/>
   </p:sldIdLst>
   <p:sldSz cx="9906000" cy="6858000" type="A4"/>
   <p:notesSz cx="6858000" cy="9144000"/>
@@ -200,7 +201,7 @@
           </a:lstStyle>
           <a:p>
             <a:fld id="{234B1B89-6D29-7849-8E65-921CEBC6CA4C}" type="datetimeFigureOut">
-              <a:t>2018/10/9</a:t>
+              <a:t>2018/10/10</a:t>
             </a:fld>
             <a:endParaRPr kumimoji="1" lang="ja-JP" altLang="en-US"/>
           </a:p>
@@ -4029,6 +4030,234 @@
 </p:sld>
 </file>
 
+<file path=ppt/slides/slide3.xml><?xml version="1.0" encoding="utf-8"?>
+<p:sld xmlns:a="http://schemas.openxmlformats.org/drawingml/2006/main" xmlns:r="http://schemas.openxmlformats.org/officeDocument/2006/relationships" xmlns:p="http://schemas.openxmlformats.org/presentationml/2006/main">
+  <p:cSld>
+    <p:spTree>
+      <p:nvGrpSpPr>
+        <p:cNvPr id="1" name=""/>
+        <p:cNvGrpSpPr/>
+        <p:nvPr/>
+      </p:nvGrpSpPr>
+      <p:grpSpPr>
+        <a:xfrm>
+          <a:off x="0" y="0"/>
+          <a:ext cx="0" cy="0"/>
+          <a:chOff x="0" y="0"/>
+          <a:chExt cx="0" cy="0"/>
+        </a:xfrm>
+      </p:grpSpPr>
+      <p:pic>
+        <p:nvPicPr>
+          <p:cNvPr id="2" name="図 1">
+            <a:extLst>
+              <a:ext uri="{FF2B5EF4-FFF2-40B4-BE49-F238E27FC236}">
+                <a16:creationId xmlns:a16="http://schemas.microsoft.com/office/drawing/2014/main" id="{3677A06B-B589-8F4F-92E7-0B86823C5525}"/>
+              </a:ext>
+            </a:extLst>
+          </p:cNvPr>
+          <p:cNvPicPr>
+            <a:picLocks noChangeAspect="1"/>
+          </p:cNvPicPr>
+          <p:nvPr/>
+        </p:nvPicPr>
+        <p:blipFill>
+          <a:blip r:embed="rId2"/>
+          <a:stretch>
+            <a:fillRect/>
+          </a:stretch>
+        </p:blipFill>
+        <p:spPr>
+          <a:xfrm>
+            <a:off x="1412240" y="2255520"/>
+            <a:ext cx="1557223" cy="1996440"/>
+          </a:xfrm>
+          <a:prstGeom prst="rect">
+            <a:avLst/>
+          </a:prstGeom>
+        </p:spPr>
+      </p:pic>
+      <p:pic>
+        <p:nvPicPr>
+          <p:cNvPr id="3" name="図 2">
+            <a:extLst>
+              <a:ext uri="{FF2B5EF4-FFF2-40B4-BE49-F238E27FC236}">
+                <a16:creationId xmlns:a16="http://schemas.microsoft.com/office/drawing/2014/main" id="{2E5F2145-8B68-634A-8108-EB3F339E0B24}"/>
+              </a:ext>
+            </a:extLst>
+          </p:cNvPr>
+          <p:cNvPicPr>
+            <a:picLocks noChangeAspect="1"/>
+          </p:cNvPicPr>
+          <p:nvPr/>
+        </p:nvPicPr>
+        <p:blipFill>
+          <a:blip r:embed="rId3"/>
+          <a:stretch>
+            <a:fillRect/>
+          </a:stretch>
+        </p:blipFill>
+        <p:spPr>
+          <a:xfrm>
+            <a:off x="4211320" y="1798320"/>
+            <a:ext cx="2656840" cy="2656840"/>
+          </a:xfrm>
+          <a:prstGeom prst="rect">
+            <a:avLst/>
+          </a:prstGeom>
+        </p:spPr>
+      </p:pic>
+      <p:sp>
+        <p:nvSpPr>
+          <p:cNvPr id="4" name="角丸四角形吹き出し 3">
+            <a:extLst>
+              <a:ext uri="{FF2B5EF4-FFF2-40B4-BE49-F238E27FC236}">
+                <a16:creationId xmlns:a16="http://schemas.microsoft.com/office/drawing/2014/main" id="{767C01C5-EC1D-5140-80E4-BB5BF08A6FA0}"/>
+              </a:ext>
+            </a:extLst>
+          </p:cNvPr>
+          <p:cNvSpPr/>
+          <p:nvPr/>
+        </p:nvSpPr>
+        <p:spPr>
+          <a:xfrm>
+            <a:off x="2143760" y="1148080"/>
+            <a:ext cx="3281680" cy="853440"/>
+          </a:xfrm>
+          <a:prstGeom prst="wedgeRoundRectCallout">
+            <a:avLst>
+              <a:gd name="adj1" fmla="val -39961"/>
+              <a:gd name="adj2" fmla="val 73026"/>
+              <a:gd name="adj3" fmla="val 16667"/>
+            </a:avLst>
+          </a:prstGeom>
+          <a:noFill/>
+          <a:ln>
+            <a:solidFill>
+              <a:schemeClr val="tx1"/>
+            </a:solidFill>
+          </a:ln>
+        </p:spPr>
+        <p:style>
+          <a:lnRef idx="2">
+            <a:schemeClr val="accent1">
+              <a:shade val="50000"/>
+            </a:schemeClr>
+          </a:lnRef>
+          <a:fillRef idx="1">
+            <a:schemeClr val="accent1"/>
+          </a:fillRef>
+          <a:effectRef idx="0">
+            <a:schemeClr val="accent1"/>
+          </a:effectRef>
+          <a:fontRef idx="minor">
+            <a:schemeClr val="lt1"/>
+          </a:fontRef>
+        </p:style>
+        <p:txBody>
+          <a:bodyPr rtlCol="0" anchor="ctr"/>
+          <a:lstStyle/>
+          <a:p>
+            <a:pPr algn="ctr"/>
+            <a:endParaRPr kumimoji="1" lang="ja-JP" altLang="en-US"/>
+          </a:p>
+        </p:txBody>
+      </p:sp>
+      <p:sp>
+        <p:nvSpPr>
+          <p:cNvPr id="5" name="テキスト ボックス 4">
+            <a:extLst>
+              <a:ext uri="{FF2B5EF4-FFF2-40B4-BE49-F238E27FC236}">
+                <a16:creationId xmlns:a16="http://schemas.microsoft.com/office/drawing/2014/main" id="{E7C03675-205D-D148-B026-50B4FF131134}"/>
+              </a:ext>
+            </a:extLst>
+          </p:cNvPr>
+          <p:cNvSpPr txBox="1"/>
+          <p:nvPr/>
+        </p:nvSpPr>
+        <p:spPr>
+          <a:xfrm>
+            <a:off x="2346960" y="1239520"/>
+            <a:ext cx="2954655" cy="646331"/>
+          </a:xfrm>
+          <a:prstGeom prst="rect">
+            <a:avLst/>
+          </a:prstGeom>
+          <a:noFill/>
+        </p:spPr>
+        <p:txBody>
+          <a:bodyPr wrap="none" rtlCol="0">
+            <a:spAutoFit/>
+          </a:bodyPr>
+          <a:lstStyle/>
+          <a:p>
+            <a:r>
+              <a:rPr kumimoji="1" lang="ja-JP" altLang="en-US"/>
+              <a:t>あそこで流れてるジョブ、</a:t>
+            </a:r>
+            <a:endParaRPr kumimoji="1" lang="en-US" altLang="ja-JP"/>
+          </a:p>
+          <a:p>
+            <a:r>
+              <a:rPr lang="ja-JP" altLang="en-US"/>
+              <a:t>俺のなんすよ</a:t>
+            </a:r>
+            <a:r>
+              <a:rPr lang="en-US" altLang="ja-JP"/>
+              <a:t>www</a:t>
+            </a:r>
+            <a:endParaRPr kumimoji="1" lang="ja-JP" altLang="en-US"/>
+          </a:p>
+        </p:txBody>
+      </p:sp>
+      <p:sp>
+        <p:nvSpPr>
+          <p:cNvPr id="6" name="テキスト ボックス 5">
+            <a:extLst>
+              <a:ext uri="{FF2B5EF4-FFF2-40B4-BE49-F238E27FC236}">
+                <a16:creationId xmlns:a16="http://schemas.microsoft.com/office/drawing/2014/main" id="{78612310-C3E5-9145-B279-69B89F96B852}"/>
+              </a:ext>
+            </a:extLst>
+          </p:cNvPr>
+          <p:cNvSpPr txBox="1"/>
+          <p:nvPr/>
+        </p:nvSpPr>
+        <p:spPr>
+          <a:xfrm>
+            <a:off x="1981200" y="4521200"/>
+            <a:ext cx="3877985" cy="461665"/>
+          </a:xfrm>
+          <a:prstGeom prst="rect">
+            <a:avLst/>
+          </a:prstGeom>
+          <a:noFill/>
+        </p:spPr>
+        <p:txBody>
+          <a:bodyPr wrap="none" rtlCol="0">
+            <a:spAutoFit/>
+          </a:bodyPr>
+          <a:lstStyle/>
+          <a:p>
+            <a:r>
+              <a:rPr kumimoji="1" lang="ja-JP" altLang="en-US" sz="2400"/>
+              <a:t>スパコンが使えると楽しい</a:t>
+            </a:r>
+          </a:p>
+        </p:txBody>
+      </p:sp>
+    </p:spTree>
+    <p:extLst>
+      <p:ext uri="{BB962C8B-B14F-4D97-AF65-F5344CB8AC3E}">
+        <p14:creationId xmlns:p14="http://schemas.microsoft.com/office/powerpoint/2010/main" val="3383041225"/>
+      </p:ext>
+    </p:extLst>
+  </p:cSld>
+  <p:clrMapOvr>
+    <a:masterClrMapping/>
+  </p:clrMapOvr>
+</p:sld>
+</file>
+
 <file path=ppt/theme/theme1.xml><?xml version="1.0" encoding="utf-8"?>
 <a:theme xmlns:a="http://schemas.openxmlformats.org/drawingml/2006/main" name="Office テーマ">
   <a:themeElements>

--- a/day1/fig/fig.pptx
+++ b/day1/fig/fig.pptx
@@ -5,12 +5,13 @@
     <p:sldMasterId id="2147483660" r:id="rId1"/>
   </p:sldMasterIdLst>
   <p:notesMasterIdLst>
-    <p:notesMasterId r:id="rId5"/>
+    <p:notesMasterId r:id="rId6"/>
   </p:notesMasterIdLst>
   <p:sldIdLst>
     <p:sldId id="256" r:id="rId2"/>
     <p:sldId id="257" r:id="rId3"/>
     <p:sldId id="258" r:id="rId4"/>
+    <p:sldId id="259" r:id="rId5"/>
   </p:sldIdLst>
   <p:sldSz cx="9906000" cy="6858000" type="A4"/>
   <p:notesSz cx="6858000" cy="9144000"/>
@@ -201,7 +202,7 @@
           </a:lstStyle>
           <a:p>
             <a:fld id="{234B1B89-6D29-7849-8E65-921CEBC6CA4C}" type="datetimeFigureOut">
-              <a:t>2018/10/10</a:t>
+              <a:t>2019/9/5</a:t>
             </a:fld>
             <a:endParaRPr kumimoji="1" lang="ja-JP" altLang="en-US"/>
           </a:p>
@@ -4258,6 +4259,308 @@
 </p:sld>
 </file>
 
+<file path=ppt/slides/slide4.xml><?xml version="1.0" encoding="utf-8"?>
+<p:sld xmlns:a="http://schemas.openxmlformats.org/drawingml/2006/main" xmlns:r="http://schemas.openxmlformats.org/officeDocument/2006/relationships" xmlns:p="http://schemas.openxmlformats.org/presentationml/2006/main">
+  <p:cSld>
+    <p:spTree>
+      <p:nvGrpSpPr>
+        <p:cNvPr id="1" name=""/>
+        <p:cNvGrpSpPr/>
+        <p:nvPr/>
+      </p:nvGrpSpPr>
+      <p:grpSpPr>
+        <a:xfrm>
+          <a:off x="0" y="0"/>
+          <a:ext cx="0" cy="0"/>
+          <a:chOff x="0" y="0"/>
+          <a:chExt cx="0" cy="0"/>
+        </a:xfrm>
+      </p:grpSpPr>
+      <p:sp>
+        <p:nvSpPr>
+          <p:cNvPr id="11" name="正方形/長方形 10"/>
+          <p:cNvSpPr/>
+          <p:nvPr/>
+        </p:nvSpPr>
+        <p:spPr>
+          <a:xfrm>
+            <a:off x="0" y="952500"/>
+            <a:ext cx="9906000" cy="4953000"/>
+          </a:xfrm>
+          <a:prstGeom prst="rect">
+            <a:avLst/>
+          </a:prstGeom>
+          <a:solidFill>
+            <a:schemeClr val="bg1"/>
+          </a:solidFill>
+          <a:ln>
+            <a:noFill/>
+          </a:ln>
+        </p:spPr>
+        <p:style>
+          <a:lnRef idx="2">
+            <a:schemeClr val="accent1">
+              <a:shade val="50000"/>
+            </a:schemeClr>
+          </a:lnRef>
+          <a:fillRef idx="1">
+            <a:schemeClr val="accent1"/>
+          </a:fillRef>
+          <a:effectRef idx="0">
+            <a:schemeClr val="accent1"/>
+          </a:effectRef>
+          <a:fontRef idx="minor">
+            <a:schemeClr val="lt1"/>
+          </a:fontRef>
+        </p:style>
+        <p:txBody>
+          <a:bodyPr rtlCol="0" anchor="ctr"/>
+          <a:lstStyle/>
+          <a:p>
+            <a:pPr algn="ctr"/>
+            <a:endParaRPr kumimoji="1" lang="ja-JP" altLang="en-US"/>
+          </a:p>
+        </p:txBody>
+      </p:sp>
+      <p:pic>
+        <p:nvPicPr>
+          <p:cNvPr id="3" name="図 2">
+            <a:extLst>
+              <a:ext uri="{FF2B5EF4-FFF2-40B4-BE49-F238E27FC236}">
+                <a16:creationId xmlns:a16="http://schemas.microsoft.com/office/drawing/2014/main" id="{3677A06B-B589-8F4F-92E7-0B86823C5525}"/>
+              </a:ext>
+            </a:extLst>
+          </p:cNvPr>
+          <p:cNvPicPr>
+            <a:picLocks noChangeAspect="1"/>
+          </p:cNvPicPr>
+          <p:nvPr/>
+        </p:nvPicPr>
+        <p:blipFill>
+          <a:blip r:embed="rId2"/>
+          <a:stretch>
+            <a:fillRect/>
+          </a:stretch>
+        </p:blipFill>
+        <p:spPr>
+          <a:xfrm>
+            <a:off x="1377142" y="3580015"/>
+            <a:ext cx="1227623" cy="1573876"/>
+          </a:xfrm>
+          <a:prstGeom prst="rect">
+            <a:avLst/>
+          </a:prstGeom>
+        </p:spPr>
+      </p:pic>
+      <p:pic>
+        <p:nvPicPr>
+          <p:cNvPr id="4" name="図 3">
+            <a:extLst>
+              <a:ext uri="{FF2B5EF4-FFF2-40B4-BE49-F238E27FC236}">
+                <a16:creationId xmlns:a16="http://schemas.microsoft.com/office/drawing/2014/main" id="{2E5F2145-8B68-634A-8108-EB3F339E0B24}"/>
+              </a:ext>
+            </a:extLst>
+          </p:cNvPr>
+          <p:cNvPicPr>
+            <a:picLocks noChangeAspect="1"/>
+          </p:cNvPicPr>
+          <p:nvPr/>
+        </p:nvPicPr>
+        <p:blipFill>
+          <a:blip r:embed="rId3"/>
+          <a:stretch>
+            <a:fillRect/>
+          </a:stretch>
+        </p:blipFill>
+        <p:spPr>
+          <a:xfrm>
+            <a:off x="5492514" y="2998124"/>
+            <a:ext cx="2349159" cy="2349159"/>
+          </a:xfrm>
+          <a:prstGeom prst="rect">
+            <a:avLst/>
+          </a:prstGeom>
+        </p:spPr>
+      </p:pic>
+      <p:sp>
+        <p:nvSpPr>
+          <p:cNvPr id="5" name="角丸四角形吹き出し 4">
+            <a:extLst>
+              <a:ext uri="{FF2B5EF4-FFF2-40B4-BE49-F238E27FC236}">
+                <a16:creationId xmlns:a16="http://schemas.microsoft.com/office/drawing/2014/main" id="{767C01C5-EC1D-5140-80E4-BB5BF08A6FA0}"/>
+              </a:ext>
+            </a:extLst>
+          </p:cNvPr>
+          <p:cNvSpPr/>
+          <p:nvPr/>
+        </p:nvSpPr>
+        <p:spPr>
+          <a:xfrm>
+            <a:off x="2341067" y="2726575"/>
+            <a:ext cx="3281680" cy="853440"/>
+          </a:xfrm>
+          <a:prstGeom prst="wedgeRoundRectCallout">
+            <a:avLst>
+              <a:gd name="adj1" fmla="val -39961"/>
+              <a:gd name="adj2" fmla="val 73026"/>
+              <a:gd name="adj3" fmla="val 16667"/>
+            </a:avLst>
+          </a:prstGeom>
+          <a:noFill/>
+          <a:ln>
+            <a:solidFill>
+              <a:schemeClr val="tx1"/>
+            </a:solidFill>
+          </a:ln>
+        </p:spPr>
+        <p:style>
+          <a:lnRef idx="2">
+            <a:schemeClr val="accent1">
+              <a:shade val="50000"/>
+            </a:schemeClr>
+          </a:lnRef>
+          <a:fillRef idx="1">
+            <a:schemeClr val="accent1"/>
+          </a:fillRef>
+          <a:effectRef idx="0">
+            <a:schemeClr val="accent1"/>
+          </a:effectRef>
+          <a:fontRef idx="minor">
+            <a:schemeClr val="lt1"/>
+          </a:fontRef>
+        </p:style>
+        <p:txBody>
+          <a:bodyPr rtlCol="0" anchor="ctr"/>
+          <a:lstStyle/>
+          <a:p>
+            <a:pPr algn="ctr"/>
+            <a:endParaRPr kumimoji="1" lang="ja-JP" altLang="en-US"/>
+          </a:p>
+        </p:txBody>
+      </p:sp>
+      <p:sp>
+        <p:nvSpPr>
+          <p:cNvPr id="6" name="テキスト ボックス 5">
+            <a:extLst>
+              <a:ext uri="{FF2B5EF4-FFF2-40B4-BE49-F238E27FC236}">
+                <a16:creationId xmlns:a16="http://schemas.microsoft.com/office/drawing/2014/main" id="{E7C03675-205D-D148-B026-50B4FF131134}"/>
+              </a:ext>
+            </a:extLst>
+          </p:cNvPr>
+          <p:cNvSpPr txBox="1"/>
+          <p:nvPr/>
+        </p:nvSpPr>
+        <p:spPr>
+          <a:xfrm>
+            <a:off x="2544267" y="2818015"/>
+            <a:ext cx="2954655" cy="646331"/>
+          </a:xfrm>
+          <a:prstGeom prst="rect">
+            <a:avLst/>
+          </a:prstGeom>
+          <a:noFill/>
+        </p:spPr>
+        <p:txBody>
+          <a:bodyPr wrap="none" rtlCol="0">
+            <a:spAutoFit/>
+          </a:bodyPr>
+          <a:lstStyle/>
+          <a:p>
+            <a:r>
+              <a:rPr kumimoji="1" lang="ja-JP" altLang="en-US" dirty="0"/>
+              <a:t>あそこで流れてるジョブ、</a:t>
+            </a:r>
+            <a:endParaRPr kumimoji="1" lang="en-US" altLang="ja-JP" dirty="0"/>
+          </a:p>
+          <a:p>
+            <a:r>
+              <a:rPr lang="ja-JP" altLang="en-US" dirty="0"/>
+              <a:t>俺のなん</a:t>
+            </a:r>
+            <a:r>
+              <a:rPr lang="ja-JP" altLang="en-US" dirty="0"/>
+              <a:t>すよ</a:t>
+            </a:r>
+            <a:r>
+              <a:rPr lang="en-US" altLang="ja-JP" dirty="0"/>
+              <a:t>www</a:t>
+            </a:r>
+            <a:endParaRPr kumimoji="1" lang="ja-JP" altLang="en-US" dirty="0"/>
+          </a:p>
+        </p:txBody>
+      </p:sp>
+      <p:sp>
+        <p:nvSpPr>
+          <p:cNvPr id="8" name="正方形/長方形 7"/>
+          <p:cNvSpPr/>
+          <p:nvPr/>
+        </p:nvSpPr>
+        <p:spPr>
+          <a:xfrm>
+            <a:off x="1011899" y="1600184"/>
+            <a:ext cx="8032968" cy="646331"/>
+          </a:xfrm>
+          <a:prstGeom prst="rect">
+            <a:avLst/>
+          </a:prstGeom>
+        </p:spPr>
+        <p:txBody>
+          <a:bodyPr wrap="none">
+            <a:spAutoFit/>
+          </a:bodyPr>
+          <a:lstStyle/>
+          <a:p>
+            <a:r>
+              <a:rPr lang="ja-JP" altLang="en-US" sz="3600" dirty="0">
+                <a:latin typeface="UD デジタル 教科書体 N-B" panose="02020700000000000000" pitchFamily="17" charset="-128"/>
+                <a:ea typeface="UD デジタル 教科書体 N-B" panose="02020700000000000000" pitchFamily="17" charset="-128"/>
+              </a:rPr>
+              <a:t>一週間でなれる！スパコンプログラマ</a:t>
+            </a:r>
+          </a:p>
+        </p:txBody>
+      </p:sp>
+      <p:sp>
+        <p:nvSpPr>
+          <p:cNvPr id="10" name="正方形/長方形 9"/>
+          <p:cNvSpPr/>
+          <p:nvPr/>
+        </p:nvSpPr>
+        <p:spPr>
+          <a:xfrm>
+            <a:off x="2341067" y="2229351"/>
+            <a:ext cx="5526385" cy="461665"/>
+          </a:xfrm>
+          <a:prstGeom prst="rect">
+            <a:avLst/>
+          </a:prstGeom>
+        </p:spPr>
+        <p:txBody>
+          <a:bodyPr wrap="none">
+            <a:spAutoFit/>
+          </a:bodyPr>
+          <a:lstStyle/>
+          <a:p>
+            <a:r>
+              <a:rPr lang="ja-JP" altLang="en-US" sz="2400" dirty="0"/>
+              <a:t>https://kaityo256.github.io/sevendayshpc/</a:t>
+            </a:r>
+          </a:p>
+        </p:txBody>
+      </p:sp>
+    </p:spTree>
+    <p:extLst>
+      <p:ext uri="{BB962C8B-B14F-4D97-AF65-F5344CB8AC3E}">
+        <p14:creationId xmlns:p14="http://schemas.microsoft.com/office/powerpoint/2010/main" val="1028453662"/>
+      </p:ext>
+    </p:extLst>
+  </p:cSld>
+  <p:clrMapOvr>
+    <a:masterClrMapping/>
+  </p:clrMapOvr>
+</p:sld>
+</file>
+
 <file path=ppt/theme/theme1.xml><?xml version="1.0" encoding="utf-8"?>
 <a:theme xmlns:a="http://schemas.openxmlformats.org/drawingml/2006/main" name="Office テーマ">
   <a:themeElements>
